--- a/weeklyReport/april_week4/빅브라더_중간발표_수정(1).pptx
+++ b/weeklyReport/april_week4/빅브라더_중간발표_수정(1).pptx
@@ -28,33 +28,40 @@
   <p:notesSz cx="6858000" cy="9144000"/>
   <p:embeddedFontLst>
     <p:embeddedFont>
-      <p:font typeface="굴림" panose="020B0600000101010101" pitchFamily="34" charset="-127"/>
+      <p:font typeface="Calibri" panose="020F0502020204030204" pitchFamily="34" charset="0"/>
       <p:regular r:id="rId18"/>
+      <p:bold r:id="rId19"/>
+      <p:italic r:id="rId20"/>
+      <p:boldItalic r:id="rId21"/>
     </p:embeddedFont>
     <p:embeddedFont>
-      <p:font typeface="나눔고딕 ExtraBold" panose="020D0904000000000000" pitchFamily="34" charset="-127"/>
-      <p:bold r:id="rId19"/>
-    </p:embeddedFont>
-    <p:embeddedFont>
-      <p:font typeface="DM Sans Bold" panose="020B0604020202020204" charset="0"/>
-      <p:regular r:id="rId20"/>
+      <p:font typeface="DM Sans Bold" panose="020B0600000101010101" charset="0"/>
+      <p:regular r:id="rId22"/>
     </p:embeddedFont>
     <p:embeddedFont>
       <p:font typeface="Poppins Light" panose="00000400000000000000" pitchFamily="2" charset="0"/>
-      <p:regular r:id="rId21"/>
-      <p:italic r:id="rId22"/>
+      <p:regular r:id="rId23"/>
+      <p:italic r:id="rId24"/>
     </p:embeddedFont>
     <p:embeddedFont>
-      <p:font typeface="Poppins Medium Bold" panose="020B0604020202020204" charset="0"/>
-      <p:regular r:id="rId23"/>
+      <p:font typeface="Poppins Medium Bold" panose="020B0600000101010101" charset="0"/>
+      <p:regular r:id="rId25"/>
     </p:embeddedFont>
     <p:embeddedFont>
-      <p:font typeface="TT Rounds Condensed" panose="020B0604020202020204" charset="0"/>
-      <p:regular r:id="rId24"/>
+      <p:font typeface="TT Rounds Condensed" panose="020B0600000101010101" charset="0"/>
+      <p:regular r:id="rId26"/>
     </p:embeddedFont>
     <p:embeddedFont>
-      <p:font typeface="TT Rounds Condensed Bold" panose="020B0604020202020204" charset="0"/>
-      <p:regular r:id="rId25"/>
+      <p:font typeface="TT Rounds Condensed Bold" panose="020B0600000101010101" charset="0"/>
+      <p:regular r:id="rId27"/>
+    </p:embeddedFont>
+    <p:embeddedFont>
+      <p:font typeface="굴림" panose="020B0600000101010101" pitchFamily="50" charset="-127"/>
+      <p:regular r:id="rId28"/>
+    </p:embeddedFont>
+    <p:embeddedFont>
+      <p:font typeface="나눔고딕 ExtraBold" panose="020D0904000000000000" pitchFamily="50" charset="-127"/>
+      <p:bold r:id="rId29"/>
     </p:embeddedFont>
   </p:embeddedFontLst>
   <p:defaultTextStyle>
@@ -253,7 +260,7 @@
           <a:p>
             <a:fld id="{B7268E1E-0E44-426D-905E-8AD9B19D2182}" type="datetimeFigureOut">
               <a:rPr lang="cs-CZ" smtClean="0"/>
-              <a:t>19.04.2024</a:t>
+              <a:t>12.05.2024</a:t>
             </a:fld>
             <a:endParaRPr lang="cs-CZ"/>
           </a:p>
@@ -1507,7 +1514,7 @@
             <a:fld id="{1D8BD707-D9CF-40AE-B4C6-C98DA3205C09}" type="datetimeFigureOut">
               <a:rPr lang="en-US" smtClean="0"/>
               <a:pPr/>
-              <a:t>4/19/2024</a:t>
+              <a:t>5/12/2024</a:t>
             </a:fld>
             <a:endParaRPr lang="en-US"/>
           </a:p>
@@ -1672,7 +1679,7 @@
             <a:fld id="{1D8BD707-D9CF-40AE-B4C6-C98DA3205C09}" type="datetimeFigureOut">
               <a:rPr lang="en-US" smtClean="0"/>
               <a:pPr/>
-              <a:t>4/19/2024</a:t>
+              <a:t>5/12/2024</a:t>
             </a:fld>
             <a:endParaRPr lang="en-US"/>
           </a:p>
@@ -1847,7 +1854,7 @@
             <a:fld id="{1D8BD707-D9CF-40AE-B4C6-C98DA3205C09}" type="datetimeFigureOut">
               <a:rPr lang="en-US" smtClean="0"/>
               <a:pPr/>
-              <a:t>4/19/2024</a:t>
+              <a:t>5/12/2024</a:t>
             </a:fld>
             <a:endParaRPr lang="en-US"/>
           </a:p>
@@ -2012,7 +2019,7 @@
             <a:fld id="{1D8BD707-D9CF-40AE-B4C6-C98DA3205C09}" type="datetimeFigureOut">
               <a:rPr lang="en-US" smtClean="0"/>
               <a:pPr/>
-              <a:t>4/19/2024</a:t>
+              <a:t>5/12/2024</a:t>
             </a:fld>
             <a:endParaRPr lang="en-US"/>
           </a:p>
@@ -2254,7 +2261,7 @@
             <a:fld id="{1D8BD707-D9CF-40AE-B4C6-C98DA3205C09}" type="datetimeFigureOut">
               <a:rPr lang="en-US" smtClean="0"/>
               <a:pPr/>
-              <a:t>4/19/2024</a:t>
+              <a:t>5/12/2024</a:t>
             </a:fld>
             <a:endParaRPr lang="en-US"/>
           </a:p>
@@ -2536,7 +2543,7 @@
             <a:fld id="{1D8BD707-D9CF-40AE-B4C6-C98DA3205C09}" type="datetimeFigureOut">
               <a:rPr lang="en-US" smtClean="0"/>
               <a:pPr/>
-              <a:t>4/19/2024</a:t>
+              <a:t>5/12/2024</a:t>
             </a:fld>
             <a:endParaRPr lang="en-US"/>
           </a:p>
@@ -2952,7 +2959,7 @@
             <a:fld id="{1D8BD707-D9CF-40AE-B4C6-C98DA3205C09}" type="datetimeFigureOut">
               <a:rPr lang="en-US" smtClean="0"/>
               <a:pPr/>
-              <a:t>4/19/2024</a:t>
+              <a:t>5/12/2024</a:t>
             </a:fld>
             <a:endParaRPr lang="en-US"/>
           </a:p>
@@ -3066,7 +3073,7 @@
             <a:fld id="{1D8BD707-D9CF-40AE-B4C6-C98DA3205C09}" type="datetimeFigureOut">
               <a:rPr lang="en-US" smtClean="0"/>
               <a:pPr/>
-              <a:t>4/19/2024</a:t>
+              <a:t>5/12/2024</a:t>
             </a:fld>
             <a:endParaRPr lang="en-US"/>
           </a:p>
@@ -3158,7 +3165,7 @@
             <a:fld id="{1D8BD707-D9CF-40AE-B4C6-C98DA3205C09}" type="datetimeFigureOut">
               <a:rPr lang="en-US" smtClean="0"/>
               <a:pPr/>
-              <a:t>4/19/2024</a:t>
+              <a:t>5/12/2024</a:t>
             </a:fld>
             <a:endParaRPr lang="en-US"/>
           </a:p>
@@ -3430,7 +3437,7 @@
             <a:fld id="{1D8BD707-D9CF-40AE-B4C6-C98DA3205C09}" type="datetimeFigureOut">
               <a:rPr lang="en-US" smtClean="0"/>
               <a:pPr/>
-              <a:t>4/19/2024</a:t>
+              <a:t>5/12/2024</a:t>
             </a:fld>
             <a:endParaRPr lang="en-US"/>
           </a:p>
@@ -3679,7 +3686,7 @@
             <a:fld id="{1D8BD707-D9CF-40AE-B4C6-C98DA3205C09}" type="datetimeFigureOut">
               <a:rPr lang="en-US" smtClean="0"/>
               <a:pPr/>
-              <a:t>4/19/2024</a:t>
+              <a:t>5/12/2024</a:t>
             </a:fld>
             <a:endParaRPr lang="en-US"/>
           </a:p>
@@ -3887,7 +3894,7 @@
             <a:fld id="{1D8BD707-D9CF-40AE-B4C6-C98DA3205C09}" type="datetimeFigureOut">
               <a:rPr lang="en-US" smtClean="0"/>
               <a:pPr/>
-              <a:t>4/19/2024</a:t>
+              <a:t>5/12/2024</a:t>
             </a:fld>
             <a:endParaRPr lang="en-US"/>
           </a:p>
